--- a/Présentation1.pptx
+++ b/Présentation1.pptx
@@ -259,7 +259,7 @@
           <a:p>
             <a:fld id="{69404B5C-4A65-45EC-8EF2-36B60BFEE785}" type="datetimeFigureOut">
               <a:rPr lang="fr-FR" smtClean="0"/>
-              <a:t>03/05/2017</a:t>
+              <a:t>09/05/2017</a:t>
             </a:fld>
             <a:endParaRPr lang="fr-FR"/>
           </a:p>
@@ -429,7 +429,7 @@
           <a:p>
             <a:fld id="{69404B5C-4A65-45EC-8EF2-36B60BFEE785}" type="datetimeFigureOut">
               <a:rPr lang="fr-FR" smtClean="0"/>
-              <a:t>03/05/2017</a:t>
+              <a:t>09/05/2017</a:t>
             </a:fld>
             <a:endParaRPr lang="fr-FR"/>
           </a:p>
@@ -609,7 +609,7 @@
           <a:p>
             <a:fld id="{69404B5C-4A65-45EC-8EF2-36B60BFEE785}" type="datetimeFigureOut">
               <a:rPr lang="fr-FR" smtClean="0"/>
-              <a:t>03/05/2017</a:t>
+              <a:t>09/05/2017</a:t>
             </a:fld>
             <a:endParaRPr lang="fr-FR"/>
           </a:p>
@@ -779,7 +779,7 @@
           <a:p>
             <a:fld id="{69404B5C-4A65-45EC-8EF2-36B60BFEE785}" type="datetimeFigureOut">
               <a:rPr lang="fr-FR" smtClean="0"/>
-              <a:t>03/05/2017</a:t>
+              <a:t>09/05/2017</a:t>
             </a:fld>
             <a:endParaRPr lang="fr-FR"/>
           </a:p>
@@ -1025,7 +1025,7 @@
           <a:p>
             <a:fld id="{69404B5C-4A65-45EC-8EF2-36B60BFEE785}" type="datetimeFigureOut">
               <a:rPr lang="fr-FR" smtClean="0"/>
-              <a:t>03/05/2017</a:t>
+              <a:t>09/05/2017</a:t>
             </a:fld>
             <a:endParaRPr lang="fr-FR"/>
           </a:p>
@@ -1257,7 +1257,7 @@
           <a:p>
             <a:fld id="{69404B5C-4A65-45EC-8EF2-36B60BFEE785}" type="datetimeFigureOut">
               <a:rPr lang="fr-FR" smtClean="0"/>
-              <a:t>03/05/2017</a:t>
+              <a:t>09/05/2017</a:t>
             </a:fld>
             <a:endParaRPr lang="fr-FR"/>
           </a:p>
@@ -1624,7 +1624,7 @@
           <a:p>
             <a:fld id="{69404B5C-4A65-45EC-8EF2-36B60BFEE785}" type="datetimeFigureOut">
               <a:rPr lang="fr-FR" smtClean="0"/>
-              <a:t>03/05/2017</a:t>
+              <a:t>09/05/2017</a:t>
             </a:fld>
             <a:endParaRPr lang="fr-FR"/>
           </a:p>
@@ -1742,7 +1742,7 @@
           <a:p>
             <a:fld id="{69404B5C-4A65-45EC-8EF2-36B60BFEE785}" type="datetimeFigureOut">
               <a:rPr lang="fr-FR" smtClean="0"/>
-              <a:t>03/05/2017</a:t>
+              <a:t>09/05/2017</a:t>
             </a:fld>
             <a:endParaRPr lang="fr-FR"/>
           </a:p>
@@ -1837,7 +1837,7 @@
           <a:p>
             <a:fld id="{69404B5C-4A65-45EC-8EF2-36B60BFEE785}" type="datetimeFigureOut">
               <a:rPr lang="fr-FR" smtClean="0"/>
-              <a:t>03/05/2017</a:t>
+              <a:t>09/05/2017</a:t>
             </a:fld>
             <a:endParaRPr lang="fr-FR"/>
           </a:p>
@@ -2114,7 +2114,7 @@
           <a:p>
             <a:fld id="{69404B5C-4A65-45EC-8EF2-36B60BFEE785}" type="datetimeFigureOut">
               <a:rPr lang="fr-FR" smtClean="0"/>
-              <a:t>03/05/2017</a:t>
+              <a:t>09/05/2017</a:t>
             </a:fld>
             <a:endParaRPr lang="fr-FR"/>
           </a:p>
@@ -2367,7 +2367,7 @@
           <a:p>
             <a:fld id="{69404B5C-4A65-45EC-8EF2-36B60BFEE785}" type="datetimeFigureOut">
               <a:rPr lang="fr-FR" smtClean="0"/>
-              <a:t>03/05/2017</a:t>
+              <a:t>09/05/2017</a:t>
             </a:fld>
             <a:endParaRPr lang="fr-FR"/>
           </a:p>
@@ -2580,7 +2580,7 @@
           <a:p>
             <a:fld id="{69404B5C-4A65-45EC-8EF2-36B60BFEE785}" type="datetimeFigureOut">
               <a:rPr lang="fr-FR" smtClean="0"/>
-              <a:t>03/05/2017</a:t>
+              <a:t>09/05/2017</a:t>
             </a:fld>
             <a:endParaRPr lang="fr-FR"/>
           </a:p>
@@ -3073,6 +3073,78 @@
           </a:p>
         </p:txBody>
       </p:sp>
+      <p:sp>
+        <p:nvSpPr>
+          <p:cNvPr id="2" name="ZoneTexte 1"/>
+          <p:cNvSpPr txBox="1"/>
+          <p:nvPr/>
+        </p:nvSpPr>
+        <p:spPr>
+          <a:xfrm>
+            <a:off x="1915886" y="4561114"/>
+            <a:ext cx="3810000" cy="646331"/>
+          </a:xfrm>
+          <a:prstGeom prst="rect">
+            <a:avLst/>
+          </a:prstGeom>
+          <a:noFill/>
+        </p:spPr>
+        <p:txBody>
+          <a:bodyPr wrap="square" rtlCol="0">
+            <a:spAutoFit/>
+          </a:bodyPr>
+          <a:lstStyle/>
+          <a:p>
+            <a:r>
+              <a:rPr lang="fr-FR" dirty="0" smtClean="0"/>
+              <a:t>Identifiant </a:t>
+            </a:r>
+          </a:p>
+          <a:p>
+            <a:r>
+              <a:rPr lang="fr-FR" dirty="0" smtClean="0"/>
+              <a:t>Mot de passe </a:t>
+            </a:r>
+            <a:endParaRPr lang="fr-FR" dirty="0"/>
+          </a:p>
+        </p:txBody>
+      </p:sp>
+      <p:sp>
+        <p:nvSpPr>
+          <p:cNvPr id="6" name="ZoneTexte 5"/>
+          <p:cNvSpPr txBox="1"/>
+          <p:nvPr/>
+        </p:nvSpPr>
+        <p:spPr>
+          <a:xfrm>
+            <a:off x="6651172" y="4561114"/>
+            <a:ext cx="3810000" cy="646331"/>
+          </a:xfrm>
+          <a:prstGeom prst="rect">
+            <a:avLst/>
+          </a:prstGeom>
+          <a:noFill/>
+        </p:spPr>
+        <p:txBody>
+          <a:bodyPr wrap="square" rtlCol="0">
+            <a:spAutoFit/>
+          </a:bodyPr>
+          <a:lstStyle/>
+          <a:p>
+            <a:r>
+              <a:rPr lang="fr-FR" dirty="0" smtClean="0"/>
+              <a:t>Identifiant </a:t>
+            </a:r>
+          </a:p>
+          <a:p>
+            <a:r>
+              <a:rPr lang="fr-FR" dirty="0" smtClean="0"/>
+              <a:t>Mot de passe </a:t>
+            </a:r>
+            <a:endParaRPr lang="fr-FR" dirty="0"/>
+          </a:p>
+        </p:txBody>
+      </p:sp>
     </p:spTree>
     <p:extLst>
       <p:ext uri="{BB962C8B-B14F-4D97-AF65-F5344CB8AC3E}">
@@ -3141,7 +3213,11 @@
             <a:pPr algn="ctr"/>
             <a:r>
               <a:rPr lang="fr-FR" dirty="0" smtClean="0"/>
-              <a:t>Ville départ</a:t>
+              <a:t>Ville </a:t>
+            </a:r>
+            <a:r>
+              <a:rPr lang="fr-FR" dirty="0" smtClean="0"/>
+              <a:t>départ (Menu déroulant )</a:t>
             </a:r>
             <a:endParaRPr lang="fr-FR" dirty="0"/>
           </a:p>
@@ -3185,7 +3261,11 @@
             <a:pPr algn="ctr"/>
             <a:r>
               <a:rPr lang="fr-FR" dirty="0" smtClean="0"/>
-              <a:t>Ville arrivée</a:t>
+              <a:t>Ville </a:t>
+            </a:r>
+            <a:r>
+              <a:rPr lang="fr-FR" dirty="0" smtClean="0"/>
+              <a:t>arrivée (Menu déroulant)</a:t>
             </a:r>
             <a:endParaRPr lang="fr-FR" dirty="0"/>
           </a:p>
